--- a/Uivarosi Gábriel/Recept alkalmazás  alngol.pptx
+++ b/Uivarosi Gábriel/Recept alkalmazás  alngol.pptx
@@ -9295,10 +9295,10 @@
       </p:sp>
       <p:pic>
         <p:nvPicPr>
-          <p:cNvPr id="5" name="Tartalom helye 4">
+          <p:cNvPr id="7" name="Tartalom helye 6">
             <a:extLst>
               <a:ext uri="{FF2B5EF4-FFF2-40B4-BE49-F238E27FC236}">
-                <a16:creationId xmlns:a16="http://schemas.microsoft.com/office/drawing/2014/main" id="{0699C82F-9F6D-4969-AB7A-6CEA43C18F78}"/>
+                <a16:creationId xmlns:a16="http://schemas.microsoft.com/office/drawing/2014/main" id="{9148A39B-32DE-403A-9D51-1DA052B00AA6}"/>
               </a:ext>
             </a:extLst>
           </p:cNvPr>
@@ -9323,8 +9323,8 @@
         </p:blipFill>
         <p:spPr>
           <a:xfrm>
-            <a:off x="410828" y="1674278"/>
-            <a:ext cx="10358772" cy="5040848"/>
+            <a:off x="170315" y="1485900"/>
+            <a:ext cx="8976687" cy="5067301"/>
           </a:xfrm>
         </p:spPr>
       </p:pic>
@@ -9422,79 +9422,6 @@
                                         <p:cTn id="8" dur="500" fill="hold"/>
                                         <p:tgtEl>
                                           <p:spTgt spid="2"/>
-                                        </p:tgtEl>
-                                        <p:attrNameLst>
-                                          <p:attrName>ppt_y</p:attrName>
-                                        </p:attrNameLst>
-                                      </p:cBhvr>
-                                      <p:tavLst>
-                                        <p:tav tm="0">
-                                          <p:val>
-                                            <p:strVal val="1+#ppt_h/2"/>
-                                          </p:val>
-                                        </p:tav>
-                                        <p:tav tm="100000">
-                                          <p:val>
-                                            <p:strVal val="#ppt_y"/>
-                                          </p:val>
-                                        </p:tav>
-                                      </p:tavLst>
-                                    </p:anim>
-                                  </p:childTnLst>
-                                </p:cTn>
-                              </p:par>
-                              <p:par>
-                                <p:cTn id="9" presetID="2" presetClass="entr" presetSubtype="4" fill="hold" nodeType="withEffect">
-                                  <p:stCondLst>
-                                    <p:cond delay="0"/>
-                                  </p:stCondLst>
-                                  <p:childTnLst>
-                                    <p:set>
-                                      <p:cBhvr>
-                                        <p:cTn id="10" dur="1" fill="hold">
-                                          <p:stCondLst>
-                                            <p:cond delay="0"/>
-                                          </p:stCondLst>
-                                        </p:cTn>
-                                        <p:tgtEl>
-                                          <p:spTgt spid="5"/>
-                                        </p:tgtEl>
-                                        <p:attrNameLst>
-                                          <p:attrName>style.visibility</p:attrName>
-                                        </p:attrNameLst>
-                                      </p:cBhvr>
-                                      <p:to>
-                                        <p:strVal val="visible"/>
-                                      </p:to>
-                                    </p:set>
-                                    <p:anim calcmode="lin" valueType="num">
-                                      <p:cBhvr additive="base">
-                                        <p:cTn id="11" dur="500" fill="hold"/>
-                                        <p:tgtEl>
-                                          <p:spTgt spid="5"/>
-                                        </p:tgtEl>
-                                        <p:attrNameLst>
-                                          <p:attrName>ppt_x</p:attrName>
-                                        </p:attrNameLst>
-                                      </p:cBhvr>
-                                      <p:tavLst>
-                                        <p:tav tm="0">
-                                          <p:val>
-                                            <p:strVal val="#ppt_x"/>
-                                          </p:val>
-                                        </p:tav>
-                                        <p:tav tm="100000">
-                                          <p:val>
-                                            <p:strVal val="#ppt_x"/>
-                                          </p:val>
-                                        </p:tav>
-                                      </p:tavLst>
-                                    </p:anim>
-                                    <p:anim calcmode="lin" valueType="num">
-                                      <p:cBhvr additive="base">
-                                        <p:cTn id="12" dur="500" fill="hold"/>
-                                        <p:tgtEl>
-                                          <p:spTgt spid="5"/>
                                         </p:tgtEl>
                                         <p:attrNameLst>
                                           <p:attrName>ppt_y</p:attrName>
@@ -10901,10 +10828,10 @@
       </p:sp>
       <p:pic>
         <p:nvPicPr>
-          <p:cNvPr id="5" name="Tartalom helye 4">
+          <p:cNvPr id="7" name="Tartalom helye 6">
             <a:extLst>
               <a:ext uri="{FF2B5EF4-FFF2-40B4-BE49-F238E27FC236}">
-                <a16:creationId xmlns:a16="http://schemas.microsoft.com/office/drawing/2014/main" id="{18822E73-3142-49E6-B8AA-E8EB1852085D}"/>
+                <a16:creationId xmlns:a16="http://schemas.microsoft.com/office/drawing/2014/main" id="{C0E0D452-99F8-41CB-85EA-49F6426DA397}"/>
               </a:ext>
             </a:extLst>
           </p:cNvPr>
@@ -10929,8 +10856,8 @@
         </p:blipFill>
         <p:spPr>
           <a:xfrm>
-            <a:off x="2488628" y="1575945"/>
-            <a:ext cx="4974080" cy="4974080"/>
+            <a:off x="677334" y="1745821"/>
+            <a:ext cx="6789760" cy="4921679"/>
           </a:xfrm>
         </p:spPr>
       </p:pic>
@@ -11036,87 +10963,6 @@
                                         <p:cTn id="9" dur="2000" fill="hold"/>
                                         <p:tgtEl>
                                           <p:spTgt spid="2"/>
-                                        </p:tgtEl>
-                                        <p:attrNameLst>
-                                          <p:attrName>ppt_h</p:attrName>
-                                        </p:attrNameLst>
-                                      </p:cBhvr>
-                                      <p:tavLst>
-                                        <p:tav tm="0">
-                                          <p:val>
-                                            <p:strVal val="#ppt_h"/>
-                                          </p:val>
-                                        </p:tav>
-                                        <p:tav tm="100000">
-                                          <p:val>
-                                            <p:strVal val="#ppt_h"/>
-                                          </p:val>
-                                        </p:tav>
-                                      </p:tavLst>
-                                    </p:anim>
-                                  </p:childTnLst>
-                                </p:cTn>
-                              </p:par>
-                              <p:par>
-                                <p:cTn id="10" presetID="45" presetClass="entr" presetSubtype="0" fill="hold" nodeType="withEffect">
-                                  <p:stCondLst>
-                                    <p:cond delay="0"/>
-                                  </p:stCondLst>
-                                  <p:childTnLst>
-                                    <p:set>
-                                      <p:cBhvr>
-                                        <p:cTn id="11" dur="1" fill="hold">
-                                          <p:stCondLst>
-                                            <p:cond delay="0"/>
-                                          </p:stCondLst>
-                                        </p:cTn>
-                                        <p:tgtEl>
-                                          <p:spTgt spid="5"/>
-                                        </p:tgtEl>
-                                        <p:attrNameLst>
-                                          <p:attrName>style.visibility</p:attrName>
-                                        </p:attrNameLst>
-                                      </p:cBhvr>
-                                      <p:to>
-                                        <p:strVal val="visible"/>
-                                      </p:to>
-                                    </p:set>
-                                    <p:animEffect transition="in" filter="fade">
-                                      <p:cBhvr>
-                                        <p:cTn id="12" dur="2000"/>
-                                        <p:tgtEl>
-                                          <p:spTgt spid="5"/>
-                                        </p:tgtEl>
-                                      </p:cBhvr>
-                                    </p:animEffect>
-                                    <p:anim calcmode="lin" valueType="num">
-                                      <p:cBhvr>
-                                        <p:cTn id="13" dur="2000" fill="hold"/>
-                                        <p:tgtEl>
-                                          <p:spTgt spid="5"/>
-                                        </p:tgtEl>
-                                        <p:attrNameLst>
-                                          <p:attrName>ppt_w</p:attrName>
-                                        </p:attrNameLst>
-                                      </p:cBhvr>
-                                      <p:tavLst>
-                                        <p:tav tm="0" fmla="#ppt_w*sin(2.5*pi*$)">
-                                          <p:val>
-                                            <p:fltVal val="0"/>
-                                          </p:val>
-                                        </p:tav>
-                                        <p:tav tm="100000">
-                                          <p:val>
-                                            <p:fltVal val="1"/>
-                                          </p:val>
-                                        </p:tav>
-                                      </p:tavLst>
-                                    </p:anim>
-                                    <p:anim calcmode="lin" valueType="num">
-                                      <p:cBhvr>
-                                        <p:cTn id="14" dur="2000" fill="hold"/>
-                                        <p:tgtEl>
-                                          <p:spTgt spid="5"/>
                                         </p:tgtEl>
                                         <p:attrNameLst>
                                           <p:attrName>ppt_h</p:attrName>

--- a/Uivarosi Gábriel/Recept alkalmazás  alngol.pptx
+++ b/Uivarosi Gábriel/Recept alkalmazás  alngol.pptx
@@ -842,7 +842,7 @@
           <a:p>
             <a:fld id="{B71EBB2C-5723-458F-BDA9-B5D99296787B}" type="datetimeFigureOut">
               <a:rPr lang="en-GB" smtClean="0"/>
-              <a:t>04/04/2024</a:t>
+              <a:t>05/04/2024</a:t>
             </a:fld>
             <a:endParaRPr lang="en-GB"/>
           </a:p>
@@ -1105,7 +1105,7 @@
           <a:p>
             <a:fld id="{B71EBB2C-5723-458F-BDA9-B5D99296787B}" type="datetimeFigureOut">
               <a:rPr lang="en-GB" smtClean="0"/>
-              <a:t>04/04/2024</a:t>
+              <a:t>05/04/2024</a:t>
             </a:fld>
             <a:endParaRPr lang="en-GB"/>
           </a:p>
@@ -1431,7 +1431,7 @@
           <a:p>
             <a:fld id="{B71EBB2C-5723-458F-BDA9-B5D99296787B}" type="datetimeFigureOut">
               <a:rPr lang="en-GB" smtClean="0"/>
-              <a:t>04/04/2024</a:t>
+              <a:t>05/04/2024</a:t>
             </a:fld>
             <a:endParaRPr lang="en-GB"/>
           </a:p>
@@ -1784,7 +1784,7 @@
           <a:p>
             <a:fld id="{B71EBB2C-5723-458F-BDA9-B5D99296787B}" type="datetimeFigureOut">
               <a:rPr lang="en-GB" smtClean="0"/>
-              <a:t>04/04/2024</a:t>
+              <a:t>05/04/2024</a:t>
             </a:fld>
             <a:endParaRPr lang="en-GB"/>
           </a:p>
@@ -2110,7 +2110,7 @@
           <a:p>
             <a:fld id="{B71EBB2C-5723-458F-BDA9-B5D99296787B}" type="datetimeFigureOut">
               <a:rPr lang="en-GB" smtClean="0"/>
-              <a:t>04/04/2024</a:t>
+              <a:t>05/04/2024</a:t>
             </a:fld>
             <a:endParaRPr lang="en-GB"/>
           </a:p>
@@ -2515,7 +2515,7 @@
           <a:p>
             <a:fld id="{B71EBB2C-5723-458F-BDA9-B5D99296787B}" type="datetimeFigureOut">
               <a:rPr lang="en-GB" smtClean="0"/>
-              <a:t>04/04/2024</a:t>
+              <a:t>05/04/2024</a:t>
             </a:fld>
             <a:endParaRPr lang="en-GB"/>
           </a:p>
@@ -2697,7 +2697,7 @@
           <a:p>
             <a:fld id="{B71EBB2C-5723-458F-BDA9-B5D99296787B}" type="datetimeFigureOut">
               <a:rPr lang="en-GB" smtClean="0"/>
-              <a:t>04/04/2024</a:t>
+              <a:t>05/04/2024</a:t>
             </a:fld>
             <a:endParaRPr lang="en-GB"/>
           </a:p>
@@ -2889,7 +2889,7 @@
           <a:p>
             <a:fld id="{B71EBB2C-5723-458F-BDA9-B5D99296787B}" type="datetimeFigureOut">
               <a:rPr lang="en-GB" smtClean="0"/>
-              <a:t>04/04/2024</a:t>
+              <a:t>05/04/2024</a:t>
             </a:fld>
             <a:endParaRPr lang="en-GB"/>
           </a:p>
@@ -3077,7 +3077,7 @@
           <a:p>
             <a:fld id="{B71EBB2C-5723-458F-BDA9-B5D99296787B}" type="datetimeFigureOut">
               <a:rPr lang="en-GB" smtClean="0"/>
-              <a:t>04/04/2024</a:t>
+              <a:t>05/04/2024</a:t>
             </a:fld>
             <a:endParaRPr lang="en-GB"/>
           </a:p>
@@ -3336,7 +3336,7 @@
           <a:p>
             <a:fld id="{B71EBB2C-5723-458F-BDA9-B5D99296787B}" type="datetimeFigureOut">
               <a:rPr lang="en-GB" smtClean="0"/>
-              <a:t>04/04/2024</a:t>
+              <a:t>05/04/2024</a:t>
             </a:fld>
             <a:endParaRPr lang="en-GB"/>
           </a:p>
@@ -3580,7 +3580,7 @@
           <a:p>
             <a:fld id="{B71EBB2C-5723-458F-BDA9-B5D99296787B}" type="datetimeFigureOut">
               <a:rPr lang="en-GB" smtClean="0"/>
-              <a:t>04/04/2024</a:t>
+              <a:t>05/04/2024</a:t>
             </a:fld>
             <a:endParaRPr lang="en-GB"/>
           </a:p>
@@ -3966,7 +3966,7 @@
           <a:p>
             <a:fld id="{B71EBB2C-5723-458F-BDA9-B5D99296787B}" type="datetimeFigureOut">
               <a:rPr lang="en-GB" smtClean="0"/>
-              <a:t>04/04/2024</a:t>
+              <a:t>05/04/2024</a:t>
             </a:fld>
             <a:endParaRPr lang="en-GB"/>
           </a:p>
@@ -4101,7 +4101,7 @@
           <a:p>
             <a:fld id="{B71EBB2C-5723-458F-BDA9-B5D99296787B}" type="datetimeFigureOut">
               <a:rPr lang="en-GB" smtClean="0"/>
-              <a:t>04/04/2024</a:t>
+              <a:t>05/04/2024</a:t>
             </a:fld>
             <a:endParaRPr lang="en-GB"/>
           </a:p>
@@ -4208,7 +4208,7 @@
           <a:p>
             <a:fld id="{B71EBB2C-5723-458F-BDA9-B5D99296787B}" type="datetimeFigureOut">
               <a:rPr lang="en-GB" smtClean="0"/>
-              <a:t>04/04/2024</a:t>
+              <a:t>05/04/2024</a:t>
             </a:fld>
             <a:endParaRPr lang="en-GB"/>
           </a:p>
@@ -4475,7 +4475,7 @@
           <a:p>
             <a:fld id="{B71EBB2C-5723-458F-BDA9-B5D99296787B}" type="datetimeFigureOut">
               <a:rPr lang="en-GB" smtClean="0"/>
-              <a:t>04/04/2024</a:t>
+              <a:t>05/04/2024</a:t>
             </a:fld>
             <a:endParaRPr lang="en-GB"/>
           </a:p>
@@ -4750,7 +4750,7 @@
           <a:p>
             <a:fld id="{B71EBB2C-5723-458F-BDA9-B5D99296787B}" type="datetimeFigureOut">
               <a:rPr lang="en-GB" smtClean="0"/>
-              <a:t>04/04/2024</a:t>
+              <a:t>05/04/2024</a:t>
             </a:fld>
             <a:endParaRPr lang="en-GB"/>
           </a:p>
@@ -5505,7 +5505,7 @@
           <a:p>
             <a:fld id="{B71EBB2C-5723-458F-BDA9-B5D99296787B}" type="datetimeFigureOut">
               <a:rPr lang="en-GB" smtClean="0"/>
-              <a:t>04/04/2024</a:t>
+              <a:t>05/04/2024</a:t>
             </a:fld>
             <a:endParaRPr lang="en-GB"/>
           </a:p>
@@ -10828,10 +10828,10 @@
       </p:sp>
       <p:pic>
         <p:nvPicPr>
-          <p:cNvPr id="7" name="Tartalom helye 6">
+          <p:cNvPr id="6" name="Tartalom helye 5">
             <a:extLst>
               <a:ext uri="{FF2B5EF4-FFF2-40B4-BE49-F238E27FC236}">
-                <a16:creationId xmlns:a16="http://schemas.microsoft.com/office/drawing/2014/main" id="{C0E0D452-99F8-41CB-85EA-49F6426DA397}"/>
+                <a16:creationId xmlns:a16="http://schemas.microsoft.com/office/drawing/2014/main" id="{F07BF197-3439-446E-B135-11940B788999}"/>
               </a:ext>
             </a:extLst>
           </p:cNvPr>
@@ -10856,8 +10856,8 @@
         </p:blipFill>
         <p:spPr>
           <a:xfrm>
-            <a:off x="677334" y="1745821"/>
-            <a:ext cx="6789760" cy="4921679"/>
+            <a:off x="989806" y="1816100"/>
+            <a:ext cx="8477249" cy="4238625"/>
           </a:xfrm>
         </p:spPr>
       </p:pic>
@@ -10963,6 +10963,87 @@
                                         <p:cTn id="9" dur="2000" fill="hold"/>
                                         <p:tgtEl>
                                           <p:spTgt spid="2"/>
+                                        </p:tgtEl>
+                                        <p:attrNameLst>
+                                          <p:attrName>ppt_h</p:attrName>
+                                        </p:attrNameLst>
+                                      </p:cBhvr>
+                                      <p:tavLst>
+                                        <p:tav tm="0">
+                                          <p:val>
+                                            <p:strVal val="#ppt_h"/>
+                                          </p:val>
+                                        </p:tav>
+                                        <p:tav tm="100000">
+                                          <p:val>
+                                            <p:strVal val="#ppt_h"/>
+                                          </p:val>
+                                        </p:tav>
+                                      </p:tavLst>
+                                    </p:anim>
+                                  </p:childTnLst>
+                                </p:cTn>
+                              </p:par>
+                              <p:par>
+                                <p:cTn id="10" presetID="45" presetClass="entr" presetSubtype="0" fill="hold" nodeType="withEffect">
+                                  <p:stCondLst>
+                                    <p:cond delay="0"/>
+                                  </p:stCondLst>
+                                  <p:childTnLst>
+                                    <p:set>
+                                      <p:cBhvr>
+                                        <p:cTn id="11" dur="1" fill="hold">
+                                          <p:stCondLst>
+                                            <p:cond delay="0"/>
+                                          </p:stCondLst>
+                                        </p:cTn>
+                                        <p:tgtEl>
+                                          <p:spTgt spid="6"/>
+                                        </p:tgtEl>
+                                        <p:attrNameLst>
+                                          <p:attrName>style.visibility</p:attrName>
+                                        </p:attrNameLst>
+                                      </p:cBhvr>
+                                      <p:to>
+                                        <p:strVal val="visible"/>
+                                      </p:to>
+                                    </p:set>
+                                    <p:animEffect transition="in" filter="fade">
+                                      <p:cBhvr>
+                                        <p:cTn id="12" dur="2000"/>
+                                        <p:tgtEl>
+                                          <p:spTgt spid="6"/>
+                                        </p:tgtEl>
+                                      </p:cBhvr>
+                                    </p:animEffect>
+                                    <p:anim calcmode="lin" valueType="num">
+                                      <p:cBhvr>
+                                        <p:cTn id="13" dur="2000" fill="hold"/>
+                                        <p:tgtEl>
+                                          <p:spTgt spid="6"/>
+                                        </p:tgtEl>
+                                        <p:attrNameLst>
+                                          <p:attrName>ppt_w</p:attrName>
+                                        </p:attrNameLst>
+                                      </p:cBhvr>
+                                      <p:tavLst>
+                                        <p:tav tm="0" fmla="#ppt_w*sin(2.5*pi*$)">
+                                          <p:val>
+                                            <p:fltVal val="0"/>
+                                          </p:val>
+                                        </p:tav>
+                                        <p:tav tm="100000">
+                                          <p:val>
+                                            <p:fltVal val="1"/>
+                                          </p:val>
+                                        </p:tav>
+                                      </p:tavLst>
+                                    </p:anim>
+                                    <p:anim calcmode="lin" valueType="num">
+                                      <p:cBhvr>
+                                        <p:cTn id="14" dur="2000" fill="hold"/>
+                                        <p:tgtEl>
+                                          <p:spTgt spid="6"/>
                                         </p:tgtEl>
                                         <p:attrNameLst>
                                           <p:attrName>ppt_h</p:attrName>
@@ -11066,10 +11147,10 @@
       </p:sp>
       <p:pic>
         <p:nvPicPr>
-          <p:cNvPr id="5" name="Tartalom helye 4">
+          <p:cNvPr id="7" name="Tartalom helye 6">
             <a:extLst>
               <a:ext uri="{FF2B5EF4-FFF2-40B4-BE49-F238E27FC236}">
-                <a16:creationId xmlns:a16="http://schemas.microsoft.com/office/drawing/2014/main" id="{D45A7CD9-F4C2-4E52-84FD-5A0B3BC37966}"/>
+                <a16:creationId xmlns:a16="http://schemas.microsoft.com/office/drawing/2014/main" id="{328629F6-5C1C-4695-BC98-1E2887C1734D}"/>
               </a:ext>
             </a:extLst>
           </p:cNvPr>
@@ -11093,9 +11174,9 @@
           </a:stretch>
         </p:blipFill>
         <p:spPr>
-          <a:xfrm rot="20673774">
-            <a:off x="2230240" y="2043850"/>
-            <a:ext cx="3917945" cy="3917945"/>
+          <a:xfrm>
+            <a:off x="771353" y="1816100"/>
+            <a:ext cx="8502649" cy="4251325"/>
           </a:xfrm>
         </p:spPr>
       </p:pic>
@@ -11190,7 +11271,7 @@
                                           </p:stCondLst>
                                         </p:cTn>
                                         <p:tgtEl>
-                                          <p:spTgt spid="5"/>
+                                          <p:spTgt spid="7"/>
                                         </p:tgtEl>
                                         <p:attrNameLst>
                                           <p:attrName>style.visibility</p:attrName>
@@ -11204,7 +11285,7 @@
                                       <p:cBhvr>
                                         <p:cTn id="10" dur="2000"/>
                                         <p:tgtEl>
-                                          <p:spTgt spid="5"/>
+                                          <p:spTgt spid="7"/>
                                         </p:tgtEl>
                                       </p:cBhvr>
                                     </p:animEffect>

--- a/Uivarosi Gábriel/Recept alkalmazás  alngol.pptx
+++ b/Uivarosi Gábriel/Recept alkalmazás  alngol.pptx
@@ -6068,7 +6068,7 @@
             </a:r>
             <a:r>
               <a:rPr lang="hu-HU" dirty="0" err="1"/>
-              <a:t>aplication</a:t>
+              <a:t>application</a:t>
             </a:r>
             <a:endParaRPr lang="en-GB" dirty="0"/>
           </a:p>
@@ -6457,7 +6457,11 @@
           <a:p>
             <a:r>
               <a:rPr lang="hu-HU" dirty="0"/>
-              <a:t>Csapat Tagok</a:t>
+              <a:t>Project </a:t>
+            </a:r>
+            <a:r>
+              <a:rPr lang="hu-HU" dirty="0" err="1"/>
+              <a:t>Members</a:t>
             </a:r>
             <a:endParaRPr lang="en-GB" dirty="0"/>
           </a:p>
